--- a/prezentacie/p01w.pptx
+++ b/prezentacie/p01w.pptx
@@ -253,7 +253,7 @@
           <a:p>
             <a:fld id="{10052495-8BC8-4CFB-94B1-B0429F101A0D}" type="datetimeFigureOut">
               <a:rPr lang="sk-SK" smtClean="0"/>
-              <a:t>8. 9. 2025</a:t>
+              <a:t>9. 9. 2025</a:t>
             </a:fld>
             <a:endParaRPr lang="sk-SK"/>
           </a:p>
@@ -423,7 +423,7 @@
           <a:p>
             <a:fld id="{10052495-8BC8-4CFB-94B1-B0429F101A0D}" type="datetimeFigureOut">
               <a:rPr lang="sk-SK" smtClean="0"/>
-              <a:t>8. 9. 2025</a:t>
+              <a:t>9. 9. 2025</a:t>
             </a:fld>
             <a:endParaRPr lang="sk-SK"/>
           </a:p>
@@ -603,7 +603,7 @@
           <a:p>
             <a:fld id="{10052495-8BC8-4CFB-94B1-B0429F101A0D}" type="datetimeFigureOut">
               <a:rPr lang="sk-SK" smtClean="0"/>
-              <a:t>8. 9. 2025</a:t>
+              <a:t>9. 9. 2025</a:t>
             </a:fld>
             <a:endParaRPr lang="sk-SK"/>
           </a:p>
@@ -773,7 +773,7 @@
           <a:p>
             <a:fld id="{10052495-8BC8-4CFB-94B1-B0429F101A0D}" type="datetimeFigureOut">
               <a:rPr lang="sk-SK" smtClean="0"/>
-              <a:t>8. 9. 2025</a:t>
+              <a:t>9. 9. 2025</a:t>
             </a:fld>
             <a:endParaRPr lang="sk-SK"/>
           </a:p>
@@ -1019,7 +1019,7 @@
           <a:p>
             <a:fld id="{10052495-8BC8-4CFB-94B1-B0429F101A0D}" type="datetimeFigureOut">
               <a:rPr lang="sk-SK" smtClean="0"/>
-              <a:t>8. 9. 2025</a:t>
+              <a:t>9. 9. 2025</a:t>
             </a:fld>
             <a:endParaRPr lang="sk-SK"/>
           </a:p>
@@ -1251,7 +1251,7 @@
           <a:p>
             <a:fld id="{10052495-8BC8-4CFB-94B1-B0429F101A0D}" type="datetimeFigureOut">
               <a:rPr lang="sk-SK" smtClean="0"/>
-              <a:t>8. 9. 2025</a:t>
+              <a:t>9. 9. 2025</a:t>
             </a:fld>
             <a:endParaRPr lang="sk-SK"/>
           </a:p>
@@ -1618,7 +1618,7 @@
           <a:p>
             <a:fld id="{10052495-8BC8-4CFB-94B1-B0429F101A0D}" type="datetimeFigureOut">
               <a:rPr lang="sk-SK" smtClean="0"/>
-              <a:t>8. 9. 2025</a:t>
+              <a:t>9. 9. 2025</a:t>
             </a:fld>
             <a:endParaRPr lang="sk-SK"/>
           </a:p>
@@ -1736,7 +1736,7 @@
           <a:p>
             <a:fld id="{10052495-8BC8-4CFB-94B1-B0429F101A0D}" type="datetimeFigureOut">
               <a:rPr lang="sk-SK" smtClean="0"/>
-              <a:t>8. 9. 2025</a:t>
+              <a:t>9. 9. 2025</a:t>
             </a:fld>
             <a:endParaRPr lang="sk-SK"/>
           </a:p>
@@ -1831,7 +1831,7 @@
           <a:p>
             <a:fld id="{10052495-8BC8-4CFB-94B1-B0429F101A0D}" type="datetimeFigureOut">
               <a:rPr lang="sk-SK" smtClean="0"/>
-              <a:t>8. 9. 2025</a:t>
+              <a:t>9. 9. 2025</a:t>
             </a:fld>
             <a:endParaRPr lang="sk-SK"/>
           </a:p>
@@ -2108,7 +2108,7 @@
           <a:p>
             <a:fld id="{10052495-8BC8-4CFB-94B1-B0429F101A0D}" type="datetimeFigureOut">
               <a:rPr lang="sk-SK" smtClean="0"/>
-              <a:t>8. 9. 2025</a:t>
+              <a:t>9. 9. 2025</a:t>
             </a:fld>
             <a:endParaRPr lang="sk-SK"/>
           </a:p>
@@ -2365,7 +2365,7 @@
           <a:p>
             <a:fld id="{10052495-8BC8-4CFB-94B1-B0429F101A0D}" type="datetimeFigureOut">
               <a:rPr lang="sk-SK" smtClean="0"/>
-              <a:t>8. 9. 2025</a:t>
+              <a:t>9. 9. 2025</a:t>
             </a:fld>
             <a:endParaRPr lang="sk-SK"/>
           </a:p>
@@ -2578,7 +2578,7 @@
           <a:p>
             <a:fld id="{10052495-8BC8-4CFB-94B1-B0429F101A0D}" type="datetimeFigureOut">
               <a:rPr lang="sk-SK" smtClean="0"/>
-              <a:t>8. 9. 2025</a:t>
+              <a:t>9. 9. 2025</a:t>
             </a:fld>
             <a:endParaRPr lang="sk-SK"/>
           </a:p>
@@ -3950,7 +3950,7 @@
         <p:spPr>
           <a:xfrm>
             <a:off x="2062842" y="4226493"/>
-            <a:ext cx="8518071" cy="1809523"/>
+            <a:ext cx="8942615" cy="1809523"/>
           </a:xfrm>
           <a:prstGeom prst="rect">
             <a:avLst/>
@@ -4166,7 +4166,7 @@
                 </a:highlight>
                 <a:latin typeface="Consolas" panose="020B0609020204030204" pitchFamily="49" charset="0"/>
               </a:rPr>
-              <a:t> {meno} z obce {obec}, rád ťa vidím!</a:t>
+              <a:t> {meno} z obce {obec}, rád ťa vidím!"</a:t>
             </a:r>
             <a:endParaRPr lang="sk-SK" sz="2800" i="1" dirty="0">
               <a:highlight>
@@ -7306,6 +7306,19 @@
                 <a:latin typeface="Consolas" panose="020B0609020204030204" pitchFamily="49" charset="0"/>
               </a:rPr>
               <a:t>python</a:t>
+            </a:r>
+            <a:r>
+              <a:rPr lang="sk-SK" sz="2800" dirty="0"/>
+              <a:t> alebo </a:t>
+            </a:r>
+            <a:r>
+              <a:rPr lang="sk-SK" sz="2800" dirty="0" err="1">
+                <a:highlight>
+                  <a:srgbClr val="FFFF00"/>
+                </a:highlight>
+                <a:latin typeface="Consolas" panose="020B0609020204030204" pitchFamily="49" charset="0"/>
+              </a:rPr>
+              <a:t>py</a:t>
             </a:r>
             <a:r>
               <a:rPr lang="sk-SK" sz="2800" dirty="0"/>
